--- a/static/files/reports_temp/license_report.pptx
+++ b/static/files/reports_temp/license_report.pptx
@@ -270,7 +270,7 @@
           <a:p>
             <a:fld id="{938CCF7B-A042-4198-BBFA-ED4D5629F5F4}" type="datetimeFigureOut">
               <a:rPr lang="en-US" smtClean="0"/>
-              <a:t>4/2/2025</a:t>
+              <a:t>4/3/2025</a:t>
             </a:fld>
             <a:endParaRPr lang="en-US"/>
           </a:p>
@@ -468,7 +468,7 @@
           <a:p>
             <a:fld id="{938CCF7B-A042-4198-BBFA-ED4D5629F5F4}" type="datetimeFigureOut">
               <a:rPr lang="en-US" smtClean="0"/>
-              <a:t>4/2/2025</a:t>
+              <a:t>4/3/2025</a:t>
             </a:fld>
             <a:endParaRPr lang="en-US"/>
           </a:p>
@@ -676,7 +676,7 @@
           <a:p>
             <a:fld id="{938CCF7B-A042-4198-BBFA-ED4D5629F5F4}" type="datetimeFigureOut">
               <a:rPr lang="en-US" smtClean="0"/>
-              <a:t>4/2/2025</a:t>
+              <a:t>4/3/2025</a:t>
             </a:fld>
             <a:endParaRPr lang="en-US"/>
           </a:p>
@@ -874,7 +874,7 @@
           <a:p>
             <a:fld id="{938CCF7B-A042-4198-BBFA-ED4D5629F5F4}" type="datetimeFigureOut">
               <a:rPr lang="en-US" smtClean="0"/>
-              <a:t>4/2/2025</a:t>
+              <a:t>4/3/2025</a:t>
             </a:fld>
             <a:endParaRPr lang="en-US"/>
           </a:p>
@@ -1149,7 +1149,7 @@
           <a:p>
             <a:fld id="{938CCF7B-A042-4198-BBFA-ED4D5629F5F4}" type="datetimeFigureOut">
               <a:rPr lang="en-US" smtClean="0"/>
-              <a:t>4/2/2025</a:t>
+              <a:t>4/3/2025</a:t>
             </a:fld>
             <a:endParaRPr lang="en-US"/>
           </a:p>
@@ -1414,7 +1414,7 @@
           <a:p>
             <a:fld id="{938CCF7B-A042-4198-BBFA-ED4D5629F5F4}" type="datetimeFigureOut">
               <a:rPr lang="en-US" smtClean="0"/>
-              <a:t>4/2/2025</a:t>
+              <a:t>4/3/2025</a:t>
             </a:fld>
             <a:endParaRPr lang="en-US"/>
           </a:p>
@@ -1826,7 +1826,7 @@
           <a:p>
             <a:fld id="{938CCF7B-A042-4198-BBFA-ED4D5629F5F4}" type="datetimeFigureOut">
               <a:rPr lang="en-US" smtClean="0"/>
-              <a:t>4/2/2025</a:t>
+              <a:t>4/3/2025</a:t>
             </a:fld>
             <a:endParaRPr lang="en-US"/>
           </a:p>
@@ -1967,7 +1967,7 @@
           <a:p>
             <a:fld id="{938CCF7B-A042-4198-BBFA-ED4D5629F5F4}" type="datetimeFigureOut">
               <a:rPr lang="en-US" smtClean="0"/>
-              <a:t>4/2/2025</a:t>
+              <a:t>4/3/2025</a:t>
             </a:fld>
             <a:endParaRPr lang="en-US"/>
           </a:p>
@@ -2080,7 +2080,7 @@
           <a:p>
             <a:fld id="{938CCF7B-A042-4198-BBFA-ED4D5629F5F4}" type="datetimeFigureOut">
               <a:rPr lang="en-US" smtClean="0"/>
-              <a:t>4/2/2025</a:t>
+              <a:t>4/3/2025</a:t>
             </a:fld>
             <a:endParaRPr lang="en-US"/>
           </a:p>
@@ -2391,7 +2391,7 @@
           <a:p>
             <a:fld id="{938CCF7B-A042-4198-BBFA-ED4D5629F5F4}" type="datetimeFigureOut">
               <a:rPr lang="en-US" smtClean="0"/>
-              <a:t>4/2/2025</a:t>
+              <a:t>4/3/2025</a:t>
             </a:fld>
             <a:endParaRPr lang="en-US"/>
           </a:p>
@@ -2679,7 +2679,7 @@
           <a:p>
             <a:fld id="{938CCF7B-A042-4198-BBFA-ED4D5629F5F4}" type="datetimeFigureOut">
               <a:rPr lang="en-US" smtClean="0"/>
-              <a:t>4/2/2025</a:t>
+              <a:t>4/3/2025</a:t>
             </a:fld>
             <a:endParaRPr lang="en-US"/>
           </a:p>
@@ -2805,7 +2805,7 @@
           <a:graphicData uri="http://schemas.openxmlformats.org/presentationml/2006/ole">
             <mc:AlternateContent xmlns:mc="http://schemas.openxmlformats.org/markup-compatibility/2006">
               <mc:Choice xmlns:v="urn:schemas-microsoft-com:vml" Requires="v">
-                <p:oleObj spid="_x0000_s1036" name="think-cell Slide" r:id="rId15" imgW="473" imgH="473" progId="TCLayout.ActiveDocument.1">
+                <p:oleObj spid="_x0000_s1037" name="think-cell Slide" r:id="rId15" imgW="473" imgH="473" progId="TCLayout.ActiveDocument.1">
                   <p:embed/>
                 </p:oleObj>
               </mc:Choice>
@@ -2992,7 +2992,7 @@
           <a:p>
             <a:fld id="{938CCF7B-A042-4198-BBFA-ED4D5629F5F4}" type="datetimeFigureOut">
               <a:rPr lang="en-US" smtClean="0"/>
-              <a:t>4/2/2025</a:t>
+              <a:t>4/3/2025</a:t>
             </a:fld>
             <a:endParaRPr lang="en-US"/>
           </a:p>
@@ -3101,7 +3101,7 @@
           <p:nvPr userDrawn="1">
             <p:extLst>
               <p:ext uri="{1162E1C5-73C7-4A58-AE30-91384D911F3F}">
-                <p184:classification xmlns="" xmlns:p184="http://schemas.microsoft.com/office/powerpoint/2018/4/main" val="ftr"/>
+                <p184:classification xmlns:p184="http://schemas.microsoft.com/office/powerpoint/2018/4/main" xmlns="" val="ftr"/>
               </p:ext>
             </p:extLst>
           </p:nvPr>
@@ -3485,7 +3485,7 @@
           <a:graphicData uri="http://schemas.openxmlformats.org/presentationml/2006/ole">
             <mc:AlternateContent xmlns:mc="http://schemas.openxmlformats.org/markup-compatibility/2006">
               <mc:Choice xmlns:v="urn:schemas-microsoft-com:vml" Requires="v">
-                <p:oleObj spid="_x0000_s2060" name="think-cell Slide" r:id="rId4" imgW="473" imgH="473" progId="TCLayout.ActiveDocument.1">
+                <p:oleObj spid="_x0000_s2061" name="think-cell Slide" r:id="rId4" imgW="473" imgH="473" progId="TCLayout.ActiveDocument.1">
                   <p:embed/>
                 </p:oleObj>
               </mc:Choice>
@@ -3578,8 +3578,8 @@
         </p:nvSpPr>
         <p:spPr>
           <a:xfrm>
-            <a:off x="10027276" y="125843"/>
-            <a:ext cx="1926436" cy="276999"/>
+            <a:off x="7835317" y="125843"/>
+            <a:ext cx="4118395" cy="276999"/>
           </a:xfrm>
           <a:prstGeom prst="rect">
             <a:avLst/>
@@ -3615,8 +3615,8 @@
         </p:nvSpPr>
         <p:spPr>
           <a:xfrm>
-            <a:off x="8724979" y="922634"/>
-            <a:ext cx="3225767" cy="276999"/>
+            <a:off x="7835317" y="922634"/>
+            <a:ext cx="4115429" cy="276999"/>
           </a:xfrm>
           <a:prstGeom prst="rect">
             <a:avLst/>
@@ -4042,7 +4042,7 @@
           <a:blip r:embed="rId6">
             <a:extLst>
               <a:ext uri="{837473B0-CC2E-450A-ABE3-18F120FF3D39}">
-                <a1611:picAttrSrcUrl xmlns="" xmlns:a1611="http://schemas.microsoft.com/office/drawing/2016/11/main" r:id="rId7"/>
+                <a1611:picAttrSrcUrl xmlns:a1611="http://schemas.microsoft.com/office/drawing/2016/11/main" xmlns="" r:id="rId7"/>
               </a:ext>
             </a:extLst>
           </a:blip>
@@ -4152,8 +4152,8 @@
         </p:nvSpPr>
         <p:spPr>
           <a:xfrm>
-            <a:off x="10560428" y="461597"/>
-            <a:ext cx="1531447" cy="369332"/>
+            <a:off x="8296712" y="461597"/>
+            <a:ext cx="3795163" cy="369332"/>
           </a:xfrm>
           <a:prstGeom prst="rect">
             <a:avLst/>
@@ -4166,6 +4166,7 @@
           </a:bodyPr>
           <a:lstStyle/>
           <a:p>
+            <a:pPr algn="r"/>
             <a:r>
               <a:rPr lang="ar-QA" b="1" dirty="0"/>
               <a:t>وزارة المواصلات</a:t>
@@ -4308,7 +4309,7 @@
         </p:nvGraphicFramePr>
         <p:xfrm>
           <a:off x="205404" y="1953616"/>
-          <a:ext cx="11722495" cy="1895796"/>
+          <a:ext cx="11722495" cy="1844010"/>
         </p:xfrm>
         <a:graphic>
           <a:graphicData uri="http://schemas.openxmlformats.org/drawingml/2006/table">
